--- a/img/2015-09-16-vm-ha-in-arm-needs-more-than-availabilitysets/slide.pptx
+++ b/img/2015-09-16-vm-ha-in-arm-needs-more-than-availabilitysets/slide.pptx
@@ -104,6 +104,11 @@
       </a:defRPr>
     </a:lvl9pPr>
   </p:defaultTextStyle>
+  <p:extLst>
+    <p:ext uri="{EFAFB233-063F-42B5-8137-9DF3F51BA10A}">
+      <p15:sldGuideLst xmlns:p15="http://schemas.microsoft.com/office/powerpoint/2012/main"/>
+    </p:ext>
+  </p:extLst>
 </p:presentation>
 </file>
 
@@ -2980,7 +2985,7 @@
         </p:nvSpPr>
         <p:spPr>
           <a:xfrm>
-            <a:off x="7879801" y="3244413"/>
+            <a:off x="7475384" y="4285813"/>
             <a:ext cx="2340344" cy="1131725"/>
           </a:xfrm>
           <a:prstGeom prst="rect">
@@ -3029,7 +3034,7 @@
         </p:blipFill>
         <p:spPr>
           <a:xfrm>
-            <a:off x="7935585" y="4110356"/>
+            <a:off x="7531168" y="5151756"/>
             <a:ext cx="184247" cy="161509"/>
           </a:xfrm>
           <a:prstGeom prst="rect">
@@ -3045,7 +3050,7 @@
         </p:nvSpPr>
         <p:spPr>
           <a:xfrm>
-            <a:off x="8111217" y="4089128"/>
+            <a:off x="7706800" y="5130528"/>
             <a:ext cx="2149948" cy="246221"/>
           </a:xfrm>
           <a:prstGeom prst="rect">
@@ -3089,7 +3094,7 @@
         </p:nvSpPr>
         <p:spPr>
           <a:xfrm>
-            <a:off x="552395" y="708025"/>
+            <a:off x="717495" y="1749425"/>
             <a:ext cx="3942204" cy="2326305"/>
           </a:xfrm>
           <a:prstGeom prst="rect">
@@ -3127,7 +3132,7 @@
         </p:nvSpPr>
         <p:spPr>
           <a:xfrm>
-            <a:off x="1169641" y="1163251"/>
+            <a:off x="1334741" y="2204651"/>
             <a:ext cx="2139000" cy="1488362"/>
           </a:xfrm>
           <a:custGeom>
@@ -3280,7 +3285,7 @@
         </p:nvSpPr>
         <p:spPr>
           <a:xfrm>
-            <a:off x="1724791" y="1162259"/>
+            <a:off x="1889891" y="2203659"/>
             <a:ext cx="485439" cy="1050801"/>
           </a:xfrm>
           <a:prstGeom prst="rect">
@@ -3326,7 +3331,7 @@
         </p:nvSpPr>
         <p:spPr>
           <a:xfrm>
-            <a:off x="3360379" y="1162259"/>
+            <a:off x="3525479" y="2203659"/>
             <a:ext cx="485439" cy="1050801"/>
           </a:xfrm>
           <a:prstGeom prst="rect">
@@ -3372,7 +3377,7 @@
         </p:nvSpPr>
         <p:spPr>
           <a:xfrm>
-            <a:off x="626312" y="765791"/>
+            <a:off x="791412" y="1807191"/>
             <a:ext cx="3779251" cy="1447270"/>
           </a:xfrm>
           <a:custGeom>
@@ -3605,7 +3610,7 @@
         </p:nvSpPr>
         <p:spPr>
           <a:xfrm>
-            <a:off x="552395" y="3249775"/>
+            <a:off x="717495" y="4291175"/>
             <a:ext cx="3942204" cy="1131725"/>
           </a:xfrm>
           <a:prstGeom prst="rect">
@@ -3654,7 +3659,7 @@
         </p:blipFill>
         <p:spPr>
           <a:xfrm>
-            <a:off x="1288651" y="4115718"/>
+            <a:off x="1453751" y="5157118"/>
             <a:ext cx="184247" cy="161509"/>
           </a:xfrm>
           <a:prstGeom prst="rect">
@@ -3678,7 +3683,7 @@
         </p:blipFill>
         <p:spPr>
           <a:xfrm>
-            <a:off x="700303" y="3419883"/>
+            <a:off x="865403" y="4461283"/>
             <a:ext cx="341706" cy="424341"/>
           </a:xfrm>
           <a:prstGeom prst="rect">
@@ -3702,7 +3707,7 @@
         </p:blipFill>
         <p:spPr>
           <a:xfrm>
-            <a:off x="657589" y="1584547"/>
+            <a:off x="822689" y="2625947"/>
             <a:ext cx="427133" cy="390393"/>
           </a:xfrm>
           <a:prstGeom prst="rect">
@@ -3718,7 +3723,7 @@
         </p:nvSpPr>
         <p:spPr>
           <a:xfrm>
-            <a:off x="665729" y="1368585"/>
+            <a:off x="830829" y="2409985"/>
             <a:ext cx="420307" cy="215444"/>
           </a:xfrm>
           <a:prstGeom prst="rect">
@@ -3755,7 +3760,7 @@
         </p:nvSpPr>
         <p:spPr>
           <a:xfrm>
-            <a:off x="534773" y="3844224"/>
+            <a:off x="699873" y="4885624"/>
             <a:ext cx="643125" cy="215444"/>
           </a:xfrm>
           <a:prstGeom prst="rect">
@@ -3794,7 +3799,7 @@
         </p:nvCxnSpPr>
         <p:spPr>
           <a:xfrm>
-            <a:off x="856336" y="1974940"/>
+            <a:off x="1021436" y="3016340"/>
             <a:ext cx="14820" cy="1444943"/>
           </a:xfrm>
           <a:prstGeom prst="straightConnector1">
@@ -3835,7 +3840,7 @@
         </p:blipFill>
         <p:spPr>
           <a:xfrm>
-            <a:off x="1248918" y="3419883"/>
+            <a:off x="1414018" y="4461283"/>
             <a:ext cx="341706" cy="424341"/>
           </a:xfrm>
           <a:prstGeom prst="rect">
@@ -3859,7 +3864,7 @@
         </p:blipFill>
         <p:spPr>
           <a:xfrm>
-            <a:off x="1206204" y="1584547"/>
+            <a:off x="1371304" y="2625947"/>
             <a:ext cx="427133" cy="390393"/>
           </a:xfrm>
           <a:prstGeom prst="rect">
@@ -3875,7 +3880,7 @@
         </p:nvSpPr>
         <p:spPr>
           <a:xfrm>
-            <a:off x="1214343" y="1368585"/>
+            <a:off x="1379443" y="2409985"/>
             <a:ext cx="420308" cy="215444"/>
           </a:xfrm>
           <a:prstGeom prst="rect">
@@ -3912,7 +3917,7 @@
         </p:nvSpPr>
         <p:spPr>
           <a:xfrm>
-            <a:off x="1083388" y="3844224"/>
+            <a:off x="1248488" y="4885624"/>
             <a:ext cx="643126" cy="215444"/>
           </a:xfrm>
           <a:prstGeom prst="rect">
@@ -3951,7 +3956,7 @@
         </p:nvCxnSpPr>
         <p:spPr>
           <a:xfrm>
-            <a:off x="1404951" y="1974940"/>
+            <a:off x="1570051" y="3016340"/>
             <a:ext cx="14820" cy="1444943"/>
           </a:xfrm>
           <a:prstGeom prst="straightConnector1">
@@ -3992,7 +3997,7 @@
         </p:blipFill>
         <p:spPr>
           <a:xfrm>
-            <a:off x="1797533" y="3419883"/>
+            <a:off x="1962633" y="4461283"/>
             <a:ext cx="341706" cy="424341"/>
           </a:xfrm>
           <a:prstGeom prst="rect">
@@ -4016,7 +4021,7 @@
         </p:blipFill>
         <p:spPr>
           <a:xfrm>
-            <a:off x="1754819" y="1584547"/>
+            <a:off x="1919919" y="2625947"/>
             <a:ext cx="427133" cy="390393"/>
           </a:xfrm>
           <a:prstGeom prst="rect">
@@ -4032,7 +4037,7 @@
         </p:nvSpPr>
         <p:spPr>
           <a:xfrm>
-            <a:off x="1762958" y="1368585"/>
+            <a:off x="1928058" y="2409985"/>
             <a:ext cx="420308" cy="215444"/>
           </a:xfrm>
           <a:prstGeom prst="rect">
@@ -4069,7 +4074,7 @@
         </p:nvSpPr>
         <p:spPr>
           <a:xfrm>
-            <a:off x="1632003" y="3844224"/>
+            <a:off x="1797103" y="4885624"/>
             <a:ext cx="643126" cy="215444"/>
           </a:xfrm>
           <a:prstGeom prst="rect">
@@ -4108,7 +4113,7 @@
         </p:nvCxnSpPr>
         <p:spPr>
           <a:xfrm>
-            <a:off x="1953566" y="1974940"/>
+            <a:off x="2118666" y="3016340"/>
             <a:ext cx="14820" cy="1444943"/>
           </a:xfrm>
           <a:prstGeom prst="straightConnector1">
@@ -4149,7 +4154,7 @@
         </p:blipFill>
         <p:spPr>
           <a:xfrm>
-            <a:off x="2346148" y="3419883"/>
+            <a:off x="2511248" y="4461283"/>
             <a:ext cx="341706" cy="424341"/>
           </a:xfrm>
           <a:prstGeom prst="rect">
@@ -4173,7 +4178,7 @@
         </p:blipFill>
         <p:spPr>
           <a:xfrm>
-            <a:off x="2303434" y="1584547"/>
+            <a:off x="2468534" y="2625947"/>
             <a:ext cx="427133" cy="390393"/>
           </a:xfrm>
           <a:prstGeom prst="rect">
@@ -4189,7 +4194,7 @@
         </p:nvSpPr>
         <p:spPr>
           <a:xfrm>
-            <a:off x="2311573" y="1368585"/>
+            <a:off x="2476673" y="2409985"/>
             <a:ext cx="420308" cy="215444"/>
           </a:xfrm>
           <a:prstGeom prst="rect">
@@ -4226,7 +4231,7 @@
         </p:nvSpPr>
         <p:spPr>
           <a:xfrm>
-            <a:off x="2180618" y="3844224"/>
+            <a:off x="2345718" y="4885624"/>
             <a:ext cx="643126" cy="215444"/>
           </a:xfrm>
           <a:prstGeom prst="rect">
@@ -4265,7 +4270,7 @@
         </p:nvCxnSpPr>
         <p:spPr>
           <a:xfrm>
-            <a:off x="2502181" y="1974940"/>
+            <a:off x="2667281" y="3016340"/>
             <a:ext cx="14820" cy="1444943"/>
           </a:xfrm>
           <a:prstGeom prst="straightConnector1">
@@ -4306,7 +4311,7 @@
         </p:blipFill>
         <p:spPr>
           <a:xfrm>
-            <a:off x="2894763" y="3419883"/>
+            <a:off x="3059863" y="4461283"/>
             <a:ext cx="341706" cy="424341"/>
           </a:xfrm>
           <a:prstGeom prst="rect">
@@ -4330,7 +4335,7 @@
         </p:blipFill>
         <p:spPr>
           <a:xfrm>
-            <a:off x="2852049" y="1584547"/>
+            <a:off x="3017149" y="2625947"/>
             <a:ext cx="427133" cy="390393"/>
           </a:xfrm>
           <a:prstGeom prst="rect">
@@ -4346,7 +4351,7 @@
         </p:nvSpPr>
         <p:spPr>
           <a:xfrm>
-            <a:off x="2860188" y="1368585"/>
+            <a:off x="3025288" y="2409985"/>
             <a:ext cx="420308" cy="215444"/>
           </a:xfrm>
           <a:prstGeom prst="rect">
@@ -4383,7 +4388,7 @@
         </p:nvSpPr>
         <p:spPr>
           <a:xfrm>
-            <a:off x="2729233" y="3844224"/>
+            <a:off x="2894333" y="4885624"/>
             <a:ext cx="643126" cy="215444"/>
           </a:xfrm>
           <a:prstGeom prst="rect">
@@ -4422,7 +4427,7 @@
         </p:nvCxnSpPr>
         <p:spPr>
           <a:xfrm>
-            <a:off x="3050796" y="1974940"/>
+            <a:off x="3215896" y="3016340"/>
             <a:ext cx="14820" cy="1444943"/>
           </a:xfrm>
           <a:prstGeom prst="straightConnector1">
@@ -4463,7 +4468,7 @@
         </p:blipFill>
         <p:spPr>
           <a:xfrm>
-            <a:off x="3443378" y="3419883"/>
+            <a:off x="3608478" y="4461283"/>
             <a:ext cx="341706" cy="424341"/>
           </a:xfrm>
           <a:prstGeom prst="rect">
@@ -4487,7 +4492,7 @@
         </p:blipFill>
         <p:spPr>
           <a:xfrm>
-            <a:off x="3400664" y="1584547"/>
+            <a:off x="3565764" y="2625947"/>
             <a:ext cx="427133" cy="390393"/>
           </a:xfrm>
           <a:prstGeom prst="rect">
@@ -4503,7 +4508,7 @@
         </p:nvSpPr>
         <p:spPr>
           <a:xfrm>
-            <a:off x="3408803" y="1368585"/>
+            <a:off x="3573903" y="2409985"/>
             <a:ext cx="420308" cy="215444"/>
           </a:xfrm>
           <a:prstGeom prst="rect">
@@ -4540,7 +4545,7 @@
         </p:nvSpPr>
         <p:spPr>
           <a:xfrm>
-            <a:off x="3277848" y="3844224"/>
+            <a:off x="3442948" y="4885624"/>
             <a:ext cx="643126" cy="215444"/>
           </a:xfrm>
           <a:prstGeom prst="rect">
@@ -4579,7 +4584,7 @@
         </p:nvCxnSpPr>
         <p:spPr>
           <a:xfrm>
-            <a:off x="3599411" y="1974940"/>
+            <a:off x="3764511" y="3016340"/>
             <a:ext cx="14820" cy="1444943"/>
           </a:xfrm>
           <a:prstGeom prst="straightConnector1">
@@ -4620,7 +4625,7 @@
         </p:blipFill>
         <p:spPr>
           <a:xfrm>
-            <a:off x="3991993" y="3419883"/>
+            <a:off x="4157093" y="4461283"/>
             <a:ext cx="341706" cy="424341"/>
           </a:xfrm>
           <a:prstGeom prst="rect">
@@ -4644,7 +4649,7 @@
         </p:blipFill>
         <p:spPr>
           <a:xfrm>
-            <a:off x="3949279" y="1584547"/>
+            <a:off x="4114379" y="2625947"/>
             <a:ext cx="427133" cy="390393"/>
           </a:xfrm>
           <a:prstGeom prst="rect">
@@ -4660,7 +4665,7 @@
         </p:nvSpPr>
         <p:spPr>
           <a:xfrm>
-            <a:off x="3957418" y="1368585"/>
+            <a:off x="4122518" y="2409985"/>
             <a:ext cx="420308" cy="215444"/>
           </a:xfrm>
           <a:prstGeom prst="rect">
@@ -4697,7 +4702,7 @@
         </p:nvSpPr>
         <p:spPr>
           <a:xfrm>
-            <a:off x="3826463" y="3844224"/>
+            <a:off x="3991563" y="4885624"/>
             <a:ext cx="643126" cy="215444"/>
           </a:xfrm>
           <a:prstGeom prst="rect">
@@ -4736,7 +4741,7 @@
         </p:nvCxnSpPr>
         <p:spPr>
           <a:xfrm>
-            <a:off x="4148026" y="1974940"/>
+            <a:off x="4313126" y="3016340"/>
             <a:ext cx="14820" cy="1444943"/>
           </a:xfrm>
           <a:prstGeom prst="straightConnector1">
@@ -4769,7 +4774,7 @@
         </p:nvSpPr>
         <p:spPr>
           <a:xfrm>
-            <a:off x="728968" y="828423"/>
+            <a:off x="894068" y="1869823"/>
             <a:ext cx="1042273" cy="246221"/>
           </a:xfrm>
           <a:prstGeom prst="rect">
@@ -4805,7 +4810,7 @@
         </p:nvSpPr>
         <p:spPr>
           <a:xfrm>
-            <a:off x="1973114" y="2383169"/>
+            <a:off x="2138214" y="3424569"/>
             <a:ext cx="1042273" cy="246221"/>
           </a:xfrm>
           <a:prstGeom prst="rect">
@@ -4841,7 +4846,7 @@
         </p:nvSpPr>
         <p:spPr>
           <a:xfrm>
-            <a:off x="1819602" y="1188617"/>
+            <a:off x="1984702" y="2230017"/>
             <a:ext cx="417102" cy="253916"/>
           </a:xfrm>
           <a:prstGeom prst="rect">
@@ -4877,7 +4882,7 @@
         </p:nvSpPr>
         <p:spPr>
           <a:xfrm>
-            <a:off x="3423217" y="1176618"/>
+            <a:off x="3588317" y="2218018"/>
             <a:ext cx="417102" cy="253916"/>
           </a:xfrm>
           <a:prstGeom prst="rect">
@@ -4913,7 +4918,7 @@
         </p:nvSpPr>
         <p:spPr>
           <a:xfrm>
-            <a:off x="1464283" y="4094490"/>
+            <a:off x="1629383" y="5135890"/>
             <a:ext cx="2149948" cy="246221"/>
           </a:xfrm>
           <a:prstGeom prst="rect">
@@ -4957,7 +4962,7 @@
         </p:nvSpPr>
         <p:spPr>
           <a:xfrm>
-            <a:off x="5820261" y="708025"/>
+            <a:off x="5415844" y="1749425"/>
             <a:ext cx="3942204" cy="2320943"/>
           </a:xfrm>
           <a:prstGeom prst="rect">
@@ -4995,7 +5000,7 @@
         </p:nvSpPr>
         <p:spPr>
           <a:xfrm>
-            <a:off x="6437507" y="1163252"/>
+            <a:off x="6033090" y="2204652"/>
             <a:ext cx="2139000" cy="1488362"/>
           </a:xfrm>
           <a:custGeom>
@@ -5148,7 +5153,7 @@
         </p:nvSpPr>
         <p:spPr>
           <a:xfrm>
-            <a:off x="6992657" y="1162259"/>
+            <a:off x="6588240" y="2203659"/>
             <a:ext cx="485439" cy="1050801"/>
           </a:xfrm>
           <a:prstGeom prst="rect">
@@ -5194,7 +5199,7 @@
         </p:nvSpPr>
         <p:spPr>
           <a:xfrm>
-            <a:off x="8628245" y="1162259"/>
+            <a:off x="8223828" y="2203659"/>
             <a:ext cx="485439" cy="1050801"/>
           </a:xfrm>
           <a:prstGeom prst="rect">
@@ -5240,7 +5245,7 @@
         </p:nvSpPr>
         <p:spPr>
           <a:xfrm>
-            <a:off x="5894178" y="765791"/>
+            <a:off x="5489761" y="1807191"/>
             <a:ext cx="3779251" cy="1447270"/>
           </a:xfrm>
           <a:custGeom>
@@ -5473,7 +5478,7 @@
         </p:nvSpPr>
         <p:spPr>
           <a:xfrm>
-            <a:off x="5419670" y="3249775"/>
+            <a:off x="5015253" y="4291175"/>
             <a:ext cx="2340344" cy="1131725"/>
           </a:xfrm>
           <a:prstGeom prst="rect">
@@ -5522,7 +5527,7 @@
         </p:blipFill>
         <p:spPr>
           <a:xfrm>
-            <a:off x="5475454" y="4115718"/>
+            <a:off x="5071037" y="5157118"/>
             <a:ext cx="184247" cy="161509"/>
           </a:xfrm>
           <a:prstGeom prst="rect">
@@ -5546,7 +5551,7 @@
         </p:blipFill>
         <p:spPr>
           <a:xfrm>
-            <a:off x="5567578" y="3419883"/>
+            <a:off x="5163161" y="4461283"/>
             <a:ext cx="341706" cy="424341"/>
           </a:xfrm>
           <a:prstGeom prst="rect">
@@ -5570,7 +5575,7 @@
         </p:blipFill>
         <p:spPr>
           <a:xfrm>
-            <a:off x="5925455" y="1584547"/>
+            <a:off x="5521038" y="2625947"/>
             <a:ext cx="427133" cy="390393"/>
           </a:xfrm>
           <a:prstGeom prst="rect">
@@ -5586,7 +5591,7 @@
         </p:nvSpPr>
         <p:spPr>
           <a:xfrm>
-            <a:off x="5933595" y="1368585"/>
+            <a:off x="5529178" y="2409985"/>
             <a:ext cx="420307" cy="215444"/>
           </a:xfrm>
           <a:prstGeom prst="rect">
@@ -5623,7 +5628,7 @@
         </p:nvSpPr>
         <p:spPr>
           <a:xfrm>
-            <a:off x="5402048" y="3844224"/>
+            <a:off x="4997631" y="4885624"/>
             <a:ext cx="643125" cy="215444"/>
           </a:xfrm>
           <a:prstGeom prst="rect">
@@ -5663,7 +5668,7 @@
         </p:nvCxnSpPr>
         <p:spPr>
           <a:xfrm flipH="1">
-            <a:off x="5738431" y="1974940"/>
+            <a:off x="5334014" y="3016340"/>
             <a:ext cx="400591" cy="1444943"/>
           </a:xfrm>
           <a:prstGeom prst="straightConnector1">
@@ -5704,7 +5709,7 @@
         </p:blipFill>
         <p:spPr>
           <a:xfrm>
-            <a:off x="8101823" y="3419883"/>
+            <a:off x="7697406" y="4461283"/>
             <a:ext cx="341706" cy="424341"/>
           </a:xfrm>
           <a:prstGeom prst="rect">
@@ -5728,7 +5733,7 @@
         </p:blipFill>
         <p:spPr>
           <a:xfrm>
-            <a:off x="6474070" y="1584547"/>
+            <a:off x="6069653" y="2625947"/>
             <a:ext cx="427133" cy="390393"/>
           </a:xfrm>
           <a:prstGeom prst="rect">
@@ -5744,7 +5749,7 @@
         </p:nvSpPr>
         <p:spPr>
           <a:xfrm>
-            <a:off x="6482209" y="1368585"/>
+            <a:off x="6077792" y="2409985"/>
             <a:ext cx="420308" cy="215444"/>
           </a:xfrm>
           <a:prstGeom prst="rect">
@@ -5781,7 +5786,7 @@
         </p:nvSpPr>
         <p:spPr>
           <a:xfrm>
-            <a:off x="7936293" y="3844224"/>
+            <a:off x="7531876" y="4885624"/>
             <a:ext cx="643126" cy="215444"/>
           </a:xfrm>
           <a:prstGeom prst="rect">
@@ -5821,7 +5826,7 @@
         </p:nvCxnSpPr>
         <p:spPr>
           <a:xfrm>
-            <a:off x="6687637" y="1974940"/>
+            <a:off x="6283220" y="3016340"/>
             <a:ext cx="1585039" cy="1444943"/>
           </a:xfrm>
           <a:prstGeom prst="straightConnector1">
@@ -5862,7 +5867,7 @@
         </p:blipFill>
         <p:spPr>
           <a:xfrm>
-            <a:off x="6088806" y="3419883"/>
+            <a:off x="5684389" y="4461283"/>
             <a:ext cx="341706" cy="424341"/>
           </a:xfrm>
           <a:prstGeom prst="rect">
@@ -5886,7 +5891,7 @@
         </p:blipFill>
         <p:spPr>
           <a:xfrm>
-            <a:off x="7022685" y="1584547"/>
+            <a:off x="6618268" y="2625947"/>
             <a:ext cx="427133" cy="390393"/>
           </a:xfrm>
           <a:prstGeom prst="rect">
@@ -5902,7 +5907,7 @@
         </p:nvSpPr>
         <p:spPr>
           <a:xfrm>
-            <a:off x="7030824" y="1368585"/>
+            <a:off x="6626407" y="2409985"/>
             <a:ext cx="420308" cy="215444"/>
           </a:xfrm>
           <a:prstGeom prst="rect">
@@ -5939,7 +5944,7 @@
         </p:nvSpPr>
         <p:spPr>
           <a:xfrm>
-            <a:off x="5923275" y="3844224"/>
+            <a:off x="5518858" y="4885624"/>
             <a:ext cx="643126" cy="215444"/>
           </a:xfrm>
           <a:prstGeom prst="rect">
@@ -5979,7 +5984,7 @@
         </p:nvCxnSpPr>
         <p:spPr>
           <a:xfrm flipH="1">
-            <a:off x="6259659" y="1974940"/>
+            <a:off x="5855242" y="3016340"/>
             <a:ext cx="976593" cy="1444943"/>
           </a:xfrm>
           <a:prstGeom prst="straightConnector1">
@@ -6020,7 +6025,7 @@
         </p:blipFill>
         <p:spPr>
           <a:xfrm>
-            <a:off x="8687486" y="3419883"/>
+            <a:off x="8283069" y="4461283"/>
             <a:ext cx="341706" cy="424341"/>
           </a:xfrm>
           <a:prstGeom prst="rect">
@@ -6044,7 +6049,7 @@
         </p:blipFill>
         <p:spPr>
           <a:xfrm>
-            <a:off x="7571300" y="1584547"/>
+            <a:off x="7166883" y="2625947"/>
             <a:ext cx="427133" cy="390393"/>
           </a:xfrm>
           <a:prstGeom prst="rect">
@@ -6060,7 +6065,7 @@
         </p:nvSpPr>
         <p:spPr>
           <a:xfrm>
-            <a:off x="7579439" y="1368585"/>
+            <a:off x="7175022" y="2409985"/>
             <a:ext cx="420308" cy="215444"/>
           </a:xfrm>
           <a:prstGeom prst="rect">
@@ -6097,7 +6102,7 @@
         </p:nvSpPr>
         <p:spPr>
           <a:xfrm>
-            <a:off x="8521956" y="3844224"/>
+            <a:off x="8117539" y="4885624"/>
             <a:ext cx="643126" cy="215444"/>
           </a:xfrm>
           <a:prstGeom prst="rect">
@@ -6137,7 +6142,7 @@
         </p:nvCxnSpPr>
         <p:spPr>
           <a:xfrm>
-            <a:off x="7784867" y="1974940"/>
+            <a:off x="7380450" y="3016340"/>
             <a:ext cx="1073472" cy="1444943"/>
           </a:xfrm>
           <a:prstGeom prst="straightConnector1">
@@ -6178,7 +6183,7 @@
         </p:blipFill>
         <p:spPr>
           <a:xfrm>
-            <a:off x="6606215" y="3419883"/>
+            <a:off x="6201798" y="4461283"/>
             <a:ext cx="341706" cy="424341"/>
           </a:xfrm>
           <a:prstGeom prst="rect">
@@ -6202,7 +6207,7 @@
         </p:blipFill>
         <p:spPr>
           <a:xfrm>
-            <a:off x="8119915" y="1584547"/>
+            <a:off x="7715498" y="2625947"/>
             <a:ext cx="427133" cy="390393"/>
           </a:xfrm>
           <a:prstGeom prst="rect">
@@ -6218,7 +6223,7 @@
         </p:nvSpPr>
         <p:spPr>
           <a:xfrm>
-            <a:off x="8128054" y="1368585"/>
+            <a:off x="7723637" y="2409985"/>
             <a:ext cx="420308" cy="215444"/>
           </a:xfrm>
           <a:prstGeom prst="rect">
@@ -6255,7 +6260,7 @@
         </p:nvSpPr>
         <p:spPr>
           <a:xfrm>
-            <a:off x="6440685" y="3844224"/>
+            <a:off x="6036268" y="4885624"/>
             <a:ext cx="643126" cy="215444"/>
           </a:xfrm>
           <a:prstGeom prst="rect">
@@ -6295,7 +6300,7 @@
         </p:nvCxnSpPr>
         <p:spPr>
           <a:xfrm flipH="1">
-            <a:off x="6777068" y="1974940"/>
+            <a:off x="6372651" y="3016340"/>
             <a:ext cx="1556414" cy="1444943"/>
           </a:xfrm>
           <a:prstGeom prst="straightConnector1">
@@ -6336,7 +6341,7 @@
         </p:blipFill>
         <p:spPr>
           <a:xfrm>
-            <a:off x="9284869" y="3419883"/>
+            <a:off x="8880452" y="4461283"/>
             <a:ext cx="341706" cy="424341"/>
           </a:xfrm>
           <a:prstGeom prst="rect">
@@ -6360,7 +6365,7 @@
         </p:blipFill>
         <p:spPr>
           <a:xfrm>
-            <a:off x="8668530" y="1584547"/>
+            <a:off x="8264113" y="2625947"/>
             <a:ext cx="427133" cy="390393"/>
           </a:xfrm>
           <a:prstGeom prst="rect">
@@ -6376,7 +6381,7 @@
         </p:nvSpPr>
         <p:spPr>
           <a:xfrm>
-            <a:off x="8676669" y="1368585"/>
+            <a:off x="8272252" y="2409985"/>
             <a:ext cx="420308" cy="215444"/>
           </a:xfrm>
           <a:prstGeom prst="rect">
@@ -6413,7 +6418,7 @@
         </p:nvSpPr>
         <p:spPr>
           <a:xfrm>
-            <a:off x="9119339" y="3844224"/>
+            <a:off x="8714922" y="4885624"/>
             <a:ext cx="643126" cy="215444"/>
           </a:xfrm>
           <a:prstGeom prst="rect">
@@ -6453,7 +6458,7 @@
         </p:nvCxnSpPr>
         <p:spPr>
           <a:xfrm>
-            <a:off x="8882097" y="1974940"/>
+            <a:off x="8477680" y="3016340"/>
             <a:ext cx="573625" cy="1444943"/>
           </a:xfrm>
           <a:prstGeom prst="straightConnector1">
@@ -6494,7 +6499,7 @@
         </p:blipFill>
         <p:spPr>
           <a:xfrm>
-            <a:off x="7154185" y="3419883"/>
+            <a:off x="6749768" y="4461283"/>
             <a:ext cx="341706" cy="424341"/>
           </a:xfrm>
           <a:prstGeom prst="rect">
@@ -6518,7 +6523,7 @@
         </p:blipFill>
         <p:spPr>
           <a:xfrm>
-            <a:off x="9217145" y="1584547"/>
+            <a:off x="8812728" y="2625947"/>
             <a:ext cx="427133" cy="390393"/>
           </a:xfrm>
           <a:prstGeom prst="rect">
@@ -6534,7 +6539,7 @@
         </p:nvSpPr>
         <p:spPr>
           <a:xfrm>
-            <a:off x="9225285" y="1368585"/>
+            <a:off x="8820868" y="2409985"/>
             <a:ext cx="420307" cy="215444"/>
           </a:xfrm>
           <a:prstGeom prst="rect">
@@ -6571,7 +6576,7 @@
         </p:nvSpPr>
         <p:spPr>
           <a:xfrm>
-            <a:off x="6988655" y="3844224"/>
+            <a:off x="6584238" y="4885624"/>
             <a:ext cx="643126" cy="215444"/>
           </a:xfrm>
           <a:prstGeom prst="rect">
@@ -6611,7 +6616,7 @@
         </p:nvCxnSpPr>
         <p:spPr>
           <a:xfrm flipH="1">
-            <a:off x="7325038" y="1974940"/>
+            <a:off x="6920621" y="3016340"/>
             <a:ext cx="2105674" cy="1444943"/>
           </a:xfrm>
           <a:prstGeom prst="straightConnector1">
@@ -6644,7 +6649,7 @@
         </p:nvSpPr>
         <p:spPr>
           <a:xfrm>
-            <a:off x="5996834" y="828423"/>
+            <a:off x="5592417" y="1869823"/>
             <a:ext cx="1042273" cy="246221"/>
           </a:xfrm>
           <a:prstGeom prst="rect">
@@ -6680,7 +6685,7 @@
         </p:nvSpPr>
         <p:spPr>
           <a:xfrm>
-            <a:off x="7240980" y="2383169"/>
+            <a:off x="6836563" y="3424569"/>
             <a:ext cx="1042273" cy="246221"/>
           </a:xfrm>
           <a:prstGeom prst="rect">
@@ -6716,7 +6721,7 @@
         </p:nvSpPr>
         <p:spPr>
           <a:xfrm>
-            <a:off x="7087468" y="1188617"/>
+            <a:off x="6683051" y="2230017"/>
             <a:ext cx="417102" cy="253916"/>
           </a:xfrm>
           <a:prstGeom prst="rect">
@@ -6752,7 +6757,7 @@
         </p:nvSpPr>
         <p:spPr>
           <a:xfrm>
-            <a:off x="8691083" y="1176619"/>
+            <a:off x="8286666" y="2218019"/>
             <a:ext cx="417102" cy="253916"/>
           </a:xfrm>
           <a:prstGeom prst="rect">
@@ -6788,7 +6793,7 @@
         </p:nvSpPr>
         <p:spPr>
           <a:xfrm>
-            <a:off x="5651086" y="4094490"/>
+            <a:off x="5246669" y="5135890"/>
             <a:ext cx="2149948" cy="246221"/>
           </a:xfrm>
           <a:prstGeom prst="rect">
@@ -6832,7 +6837,7 @@
         </p:nvSpPr>
         <p:spPr>
           <a:xfrm>
-            <a:off x="2272327" y="2719907"/>
+            <a:off x="2437427" y="3761307"/>
             <a:ext cx="2228495" cy="246221"/>
           </a:xfrm>
           <a:prstGeom prst="rect">
@@ -6876,7 +6881,7 @@
         </p:nvSpPr>
         <p:spPr>
           <a:xfrm>
-            <a:off x="7344133" y="2719907"/>
+            <a:off x="6939716" y="3761307"/>
             <a:ext cx="2228495" cy="246221"/>
           </a:xfrm>
           <a:prstGeom prst="rect">
@@ -6920,7 +6925,7 @@
         </p:nvSpPr>
         <p:spPr>
           <a:xfrm>
-            <a:off x="1088471" y="266953"/>
+            <a:off x="1253571" y="1308353"/>
             <a:ext cx="2916696" cy="369332"/>
           </a:xfrm>
           <a:prstGeom prst="rect">
@@ -6950,7 +6955,7 @@
         </p:nvSpPr>
         <p:spPr>
           <a:xfrm>
-            <a:off x="5685076" y="257014"/>
+            <a:off x="5280659" y="1298414"/>
             <a:ext cx="4108882" cy="369332"/>
           </a:xfrm>
           <a:prstGeom prst="rect">
@@ -6969,6 +6974,74 @@
               <a:t>Sharding across multiple storage accounts</a:t>
             </a:r>
             <a:endParaRPr lang="de-DE" dirty="0"/>
+          </a:p>
+        </p:txBody>
+      </p:sp>
+      <p:sp>
+        <p:nvSpPr>
+          <p:cNvPr id="2" name="TextBox 1"/>
+          <p:cNvSpPr txBox="1"/>
+          <p:nvPr/>
+        </p:nvSpPr>
+        <p:spPr>
+          <a:xfrm>
+            <a:off x="2058528" y="928654"/>
+            <a:ext cx="1157368" cy="523220"/>
+          </a:xfrm>
+          <a:prstGeom prst="rect">
+            <a:avLst/>
+          </a:prstGeom>
+          <a:noFill/>
+        </p:spPr>
+        <p:txBody>
+          <a:bodyPr wrap="none" rtlCol="0">
+            <a:spAutoFit/>
+          </a:bodyPr>
+          <a:lstStyle/>
+          <a:p>
+            <a:r>
+              <a:rPr lang="de-DE" sz="2800" dirty="0" smtClean="0">
+                <a:solidFill>
+                  <a:srgbClr val="FF0000"/>
+                </a:solidFill>
+              </a:rPr>
+              <a:t>BAD!!!</a:t>
+            </a:r>
+            <a:endParaRPr lang="de-DE" sz="2800" dirty="0">
+              <a:solidFill>
+                <a:srgbClr val="FF0000"/>
+              </a:solidFill>
+            </a:endParaRPr>
+          </a:p>
+        </p:txBody>
+      </p:sp>
+      <p:sp>
+        <p:nvSpPr>
+          <p:cNvPr id="124" name="TextBox 123"/>
+          <p:cNvSpPr txBox="1"/>
+          <p:nvPr/>
+        </p:nvSpPr>
+        <p:spPr>
+          <a:xfrm>
+            <a:off x="6628648" y="928654"/>
+            <a:ext cx="1207767" cy="523220"/>
+          </a:xfrm>
+          <a:prstGeom prst="rect">
+            <a:avLst/>
+          </a:prstGeom>
+          <a:noFill/>
+        </p:spPr>
+        <p:txBody>
+          <a:bodyPr wrap="none" rtlCol="0">
+            <a:spAutoFit/>
+          </a:bodyPr>
+          <a:lstStyle/>
+          <a:p>
+            <a:r>
+              <a:rPr lang="de-DE" sz="2800" dirty="0" smtClean="0"/>
+              <a:t>Better!</a:t>
+            </a:r>
+            <a:endParaRPr lang="de-DE" sz="2800" dirty="0"/>
           </a:p>
         </p:txBody>
       </p:sp>
